--- a/Class-4/2601-L04-ClassInitialization_vB.pptx
+++ b/Class-4/2601-L04-ClassInitialization_vB.pptx
@@ -218,7 +218,7 @@
           <a:p>
             <a:fld id="{996286C3-CFF0-4CF3-BE0C-605F9F18A358}" type="datetimeFigureOut">
               <a:rPr lang="en-CA" smtClean="0"/>
-              <a:t>2022-05-13</a:t>
+              <a:t>2022-10-15</a:t>
             </a:fld>
             <a:endParaRPr lang="en-CA"/>
           </a:p>
@@ -486,6 +486,195 @@
 </p:notesMaster>
 </file>
 
+<file path=ppt/notesSlides/notesSlide1.xml><?xml version="1.0" encoding="utf-8"?>
+<p:notes xmlns:a="http://schemas.openxmlformats.org/drawingml/2006/main" xmlns:r="http://schemas.openxmlformats.org/officeDocument/2006/relationships" xmlns:p="http://schemas.openxmlformats.org/presentationml/2006/main">
+  <p:cSld>
+    <p:spTree>
+      <p:nvGrpSpPr>
+        <p:cNvPr id="1" name=""/>
+        <p:cNvGrpSpPr/>
+        <p:nvPr/>
+      </p:nvGrpSpPr>
+      <p:grpSpPr>
+        <a:xfrm>
+          <a:off x="0" y="0"/>
+          <a:ext cx="0" cy="0"/>
+          <a:chOff x="0" y="0"/>
+          <a:chExt cx="0" cy="0"/>
+        </a:xfrm>
+      </p:grpSpPr>
+      <p:sp>
+        <p:nvSpPr>
+          <p:cNvPr id="2" name="Slide Image Placeholder 1"/>
+          <p:cNvSpPr>
+            <a:spLocks noGrp="1" noRot="1" noChangeAspect="1"/>
+          </p:cNvSpPr>
+          <p:nvPr>
+            <p:ph type="sldImg"/>
+          </p:nvPr>
+        </p:nvSpPr>
+        <p:spPr/>
+      </p:sp>
+      <p:sp>
+        <p:nvSpPr>
+          <p:cNvPr id="3" name="Notes Placeholder 2"/>
+          <p:cNvSpPr>
+            <a:spLocks noGrp="1"/>
+          </p:cNvSpPr>
+          <p:nvPr>
+            <p:ph type="body" idx="1"/>
+          </p:nvPr>
+        </p:nvSpPr>
+        <p:spPr/>
+        <p:txBody>
+          <a:bodyPr/>
+          <a:lstStyle/>
+          <a:p>
+            <a:r>
+              <a:rPr lang="en-CA" b="0" dirty="0">
+                <a:solidFill>
+                  <a:srgbClr val="6A9955"/>
+                </a:solidFill>
+                <a:effectLst/>
+                <a:latin typeface="Consolas" panose="020B0609020204030204" pitchFamily="49" charset="0"/>
+              </a:rPr>
+              <a:t>/*</a:t>
+            </a:r>
+            <a:endParaRPr lang="en-CA" b="0" dirty="0">
+              <a:solidFill>
+                <a:srgbClr val="D4D4D4"/>
+              </a:solidFill>
+              <a:effectLst/>
+              <a:latin typeface="Consolas" panose="020B0609020204030204" pitchFamily="49" charset="0"/>
+            </a:endParaRPr>
+          </a:p>
+          <a:p>
+            <a:r>
+              <a:rPr lang="en-CA" b="0" dirty="0">
+                <a:solidFill>
+                  <a:srgbClr val="6A9955"/>
+                </a:solidFill>
+                <a:effectLst/>
+                <a:latin typeface="Consolas" panose="020B0609020204030204" pitchFamily="49" charset="0"/>
+              </a:rPr>
+              <a:t>main () {</a:t>
+            </a:r>
+            <a:endParaRPr lang="en-CA" b="0" dirty="0">
+              <a:solidFill>
+                <a:srgbClr val="D4D4D4"/>
+              </a:solidFill>
+              <a:effectLst/>
+              <a:latin typeface="Consolas" panose="020B0609020204030204" pitchFamily="49" charset="0"/>
+            </a:endParaRPr>
+          </a:p>
+          <a:p>
+            <a:r>
+              <a:rPr lang="en-CA" b="0" dirty="0">
+                <a:solidFill>
+                  <a:srgbClr val="6A9955"/>
+                </a:solidFill>
+                <a:effectLst/>
+                <a:latin typeface="Consolas" panose="020B0609020204030204" pitchFamily="49" charset="0"/>
+              </a:rPr>
+              <a:t>    </a:t>
+            </a:r>
+            <a:r>
+              <a:rPr lang="en-CA" b="0" dirty="0" err="1">
+                <a:solidFill>
+                  <a:srgbClr val="6A9955"/>
+                </a:solidFill>
+                <a:effectLst/>
+                <a:latin typeface="Consolas" panose="020B0609020204030204" pitchFamily="49" charset="0"/>
+              </a:rPr>
+              <a:t>Human.numebrofeyes</a:t>
+            </a:r>
+            <a:endParaRPr lang="en-CA" b="0" dirty="0">
+              <a:solidFill>
+                <a:srgbClr val="D4D4D4"/>
+              </a:solidFill>
+              <a:effectLst/>
+              <a:latin typeface="Consolas" panose="020B0609020204030204" pitchFamily="49" charset="0"/>
+            </a:endParaRPr>
+          </a:p>
+          <a:p>
+            <a:r>
+              <a:rPr lang="en-CA" b="0" dirty="0">
+                <a:solidFill>
+                  <a:srgbClr val="6A9955"/>
+                </a:solidFill>
+                <a:effectLst/>
+                <a:latin typeface="Consolas" panose="020B0609020204030204" pitchFamily="49" charset="0"/>
+              </a:rPr>
+              <a:t>}</a:t>
+            </a:r>
+            <a:endParaRPr lang="en-CA" b="0" dirty="0">
+              <a:solidFill>
+                <a:srgbClr val="D4D4D4"/>
+              </a:solidFill>
+              <a:effectLst/>
+              <a:latin typeface="Consolas" panose="020B0609020204030204" pitchFamily="49" charset="0"/>
+            </a:endParaRPr>
+          </a:p>
+          <a:p>
+            <a:r>
+              <a:rPr lang="en-CA" b="0" dirty="0">
+                <a:solidFill>
+                  <a:srgbClr val="6A9955"/>
+                </a:solidFill>
+                <a:effectLst/>
+                <a:latin typeface="Consolas" panose="020B0609020204030204" pitchFamily="49" charset="0"/>
+              </a:rPr>
+              <a:t>*/</a:t>
+            </a:r>
+            <a:endParaRPr lang="en-CA" b="0" dirty="0">
+              <a:solidFill>
+                <a:srgbClr val="D4D4D4"/>
+              </a:solidFill>
+              <a:effectLst/>
+              <a:latin typeface="Consolas" panose="020B0609020204030204" pitchFamily="49" charset="0"/>
+            </a:endParaRPr>
+          </a:p>
+          <a:p>
+            <a:endParaRPr lang="en-CA" dirty="0"/>
+          </a:p>
+        </p:txBody>
+      </p:sp>
+      <p:sp>
+        <p:nvSpPr>
+          <p:cNvPr id="4" name="Slide Number Placeholder 3"/>
+          <p:cNvSpPr>
+            <a:spLocks noGrp="1"/>
+          </p:cNvSpPr>
+          <p:nvPr>
+            <p:ph type="sldNum" sz="quarter" idx="5"/>
+          </p:nvPr>
+        </p:nvSpPr>
+        <p:spPr/>
+        <p:txBody>
+          <a:bodyPr/>
+          <a:lstStyle/>
+          <a:p>
+            <a:fld id="{E9E2EAC2-9E16-4734-96F6-BEF5BFEFD68D}" type="slidenum">
+              <a:rPr lang="en-CA" smtClean="0"/>
+              <a:t>21</a:t>
+            </a:fld>
+            <a:endParaRPr lang="en-CA"/>
+          </a:p>
+        </p:txBody>
+      </p:sp>
+    </p:spTree>
+    <p:extLst>
+      <p:ext uri="{BB962C8B-B14F-4D97-AF65-F5344CB8AC3E}">
+        <p14:creationId xmlns:p14="http://schemas.microsoft.com/office/powerpoint/2010/main" val="3601375768"/>
+      </p:ext>
+    </p:extLst>
+  </p:cSld>
+  <p:clrMapOvr>
+    <a:masterClrMapping/>
+  </p:clrMapOvr>
+</p:notes>
+</file>
+
 <file path=ppt/slideLayouts/slideLayout1.xml><?xml version="1.0" encoding="utf-8"?>
 <p:sldLayout xmlns:a="http://schemas.openxmlformats.org/drawingml/2006/main" xmlns:r="http://schemas.openxmlformats.org/officeDocument/2006/relationships" xmlns:p="http://schemas.openxmlformats.org/presentationml/2006/main" type="title" preserve="1">
   <p:cSld name="Title Slide">
@@ -649,7 +838,7 @@
           <a:p>
             <a:fld id="{12B6B3BF-1CDB-4998-A26D-E96EB67A32D5}" type="datetime1">
               <a:rPr lang="en-US" smtClean="0"/>
-              <a:t>5/13/2022</a:t>
+              <a:t>10/15/2022</a:t>
             </a:fld>
             <a:endParaRPr lang="en-US" dirty="0"/>
           </a:p>
@@ -819,7 +1008,7 @@
           <a:p>
             <a:fld id="{81896EFA-547A-47DD-B3B4-D8959566D731}" type="datetime1">
               <a:rPr lang="en-US" smtClean="0"/>
-              <a:t>5/13/2022</a:t>
+              <a:t>10/15/2022</a:t>
             </a:fld>
             <a:endParaRPr lang="en-US" dirty="0"/>
           </a:p>
@@ -998,7 +1187,7 @@
           <a:p>
             <a:fld id="{8ABF0234-9003-4F19-B377-AC9DD92F4D87}" type="datetime1">
               <a:rPr lang="en-US" smtClean="0"/>
-              <a:t>5/13/2022</a:t>
+              <a:t>10/15/2022</a:t>
             </a:fld>
             <a:endParaRPr lang="en-US" dirty="0"/>
           </a:p>
@@ -1167,7 +1356,7 @@
           <a:p>
             <a:fld id="{15EB649E-38CE-450F-9354-9C73FA03DB66}" type="datetime1">
               <a:rPr lang="en-US" smtClean="0"/>
-              <a:t>5/13/2022</a:t>
+              <a:t>10/15/2022</a:t>
             </a:fld>
             <a:endParaRPr lang="en-US" dirty="0"/>
           </a:p>
@@ -1435,7 +1624,7 @@
           <a:p>
             <a:fld id="{CB87E965-6125-4F05-96F8-FF519473D03B}" type="datetime1">
               <a:rPr lang="en-US" smtClean="0"/>
-              <a:t>5/13/2022</a:t>
+              <a:t>10/15/2022</a:t>
             </a:fld>
             <a:endParaRPr lang="en-US" dirty="0"/>
           </a:p>
@@ -1667,7 +1856,7 @@
           <a:p>
             <a:fld id="{756BA2CD-26E7-4DA9-8C53-F26480039040}" type="datetime1">
               <a:rPr lang="en-US" smtClean="0"/>
-              <a:t>5/13/2022</a:t>
+              <a:t>10/15/2022</a:t>
             </a:fld>
             <a:endParaRPr lang="en-US" dirty="0"/>
           </a:p>
@@ -2025,7 +2214,7 @@
           <a:p>
             <a:fld id="{F1BC60AC-612C-49C5-BF1F-417B3F92930F}" type="datetime1">
               <a:rPr lang="en-US" smtClean="0"/>
-              <a:t>5/13/2022</a:t>
+              <a:t>10/15/2022</a:t>
             </a:fld>
             <a:endParaRPr lang="en-US" dirty="0"/>
           </a:p>
@@ -2165,7 +2354,7 @@
           <a:p>
             <a:fld id="{40FA1425-F13D-4298-A62A-C4B75621E029}" type="datetime1">
               <a:rPr lang="en-US" smtClean="0"/>
-              <a:t>5/13/2022</a:t>
+              <a:t>10/15/2022</a:t>
             </a:fld>
             <a:endParaRPr lang="en-US" dirty="0"/>
           </a:p>
@@ -2259,7 +2448,7 @@
           <a:p>
             <a:fld id="{1395D998-FA3A-457F-BA0C-30B62773053F}" type="datetime1">
               <a:rPr lang="en-US" smtClean="0"/>
-              <a:t>5/13/2022</a:t>
+              <a:t>10/15/2022</a:t>
             </a:fld>
             <a:endParaRPr lang="en-US" dirty="0"/>
           </a:p>
@@ -2615,7 +2804,7 @@
           <a:p>
             <a:fld id="{880991A3-2072-4C58-B8EA-7F7546B69713}" type="datetime1">
               <a:rPr lang="en-US" smtClean="0"/>
-              <a:t>5/13/2022</a:t>
+              <a:t>10/15/2022</a:t>
             </a:fld>
             <a:endParaRPr lang="en-US" dirty="0"/>
           </a:p>
@@ -2971,7 +3160,7 @@
           <a:p>
             <a:fld id="{F50685A8-857B-4F40-8F27-F0AB99AF3B6F}" type="datetime1">
               <a:rPr lang="en-US" smtClean="0"/>
-              <a:t>5/13/2022</a:t>
+              <a:t>10/15/2022</a:t>
             </a:fld>
             <a:endParaRPr lang="en-US" dirty="0"/>
           </a:p>
@@ -3212,7 +3401,7 @@
           <a:p>
             <a:fld id="{445CA0CF-C323-4792-952A-DB38C97BA228}" type="datetime1">
               <a:rPr lang="en-US" smtClean="0"/>
-              <a:t>5/13/2022</a:t>
+              <a:t>10/15/2022</a:t>
             </a:fld>
             <a:endParaRPr lang="en-US" dirty="0"/>
           </a:p>
